--- a/Maquettes/Elec_Num_Emb/VisionIndustrielle_TP/brochages.pptx
+++ b/Maquettes/Elec_Num_Emb/VisionIndustrielle_TP/brochages.pptx
@@ -199,7 +199,7 @@
           <a:p>
             <a:fld id="{DAC67291-13FB-4A85-9B62-8BED92F848C0}" type="datetimeFigureOut">
               <a:rPr lang="fr-FR" smtClean="0"/>
-              <a:t>06/02/2023</a:t>
+              <a:t>09/03/2023</a:t>
             </a:fld>
             <a:endParaRPr lang="fr-FR"/>
           </a:p>
@@ -697,7 +697,7 @@
           <a:p>
             <a:fld id="{9F9D7BD0-09ED-4241-9B50-84DC221E5746}" type="datetimeFigureOut">
               <a:rPr lang="fr-FR" smtClean="0"/>
-              <a:t>06/02/2023</a:t>
+              <a:t>09/03/2023</a:t>
             </a:fld>
             <a:endParaRPr lang="fr-FR"/>
           </a:p>
@@ -895,7 +895,7 @@
           <a:p>
             <a:fld id="{9F9D7BD0-09ED-4241-9B50-84DC221E5746}" type="datetimeFigureOut">
               <a:rPr lang="fr-FR" smtClean="0"/>
-              <a:t>06/02/2023</a:t>
+              <a:t>09/03/2023</a:t>
             </a:fld>
             <a:endParaRPr lang="fr-FR"/>
           </a:p>
@@ -1103,7 +1103,7 @@
           <a:p>
             <a:fld id="{9F9D7BD0-09ED-4241-9B50-84DC221E5746}" type="datetimeFigureOut">
               <a:rPr lang="fr-FR" smtClean="0"/>
-              <a:t>06/02/2023</a:t>
+              <a:t>09/03/2023</a:t>
             </a:fld>
             <a:endParaRPr lang="fr-FR"/>
           </a:p>
@@ -1301,7 +1301,7 @@
           <a:p>
             <a:fld id="{9F9D7BD0-09ED-4241-9B50-84DC221E5746}" type="datetimeFigureOut">
               <a:rPr lang="fr-FR" smtClean="0"/>
-              <a:t>06/02/2023</a:t>
+              <a:t>09/03/2023</a:t>
             </a:fld>
             <a:endParaRPr lang="fr-FR"/>
           </a:p>
@@ -1576,7 +1576,7 @@
           <a:p>
             <a:fld id="{9F9D7BD0-09ED-4241-9B50-84DC221E5746}" type="datetimeFigureOut">
               <a:rPr lang="fr-FR" smtClean="0"/>
-              <a:t>06/02/2023</a:t>
+              <a:t>09/03/2023</a:t>
             </a:fld>
             <a:endParaRPr lang="fr-FR"/>
           </a:p>
@@ -1841,7 +1841,7 @@
           <a:p>
             <a:fld id="{9F9D7BD0-09ED-4241-9B50-84DC221E5746}" type="datetimeFigureOut">
               <a:rPr lang="fr-FR" smtClean="0"/>
-              <a:t>06/02/2023</a:t>
+              <a:t>09/03/2023</a:t>
             </a:fld>
             <a:endParaRPr lang="fr-FR"/>
           </a:p>
@@ -2253,7 +2253,7 @@
           <a:p>
             <a:fld id="{9F9D7BD0-09ED-4241-9B50-84DC221E5746}" type="datetimeFigureOut">
               <a:rPr lang="fr-FR" smtClean="0"/>
-              <a:t>06/02/2023</a:t>
+              <a:t>09/03/2023</a:t>
             </a:fld>
             <a:endParaRPr lang="fr-FR"/>
           </a:p>
@@ -2394,7 +2394,7 @@
           <a:p>
             <a:fld id="{9F9D7BD0-09ED-4241-9B50-84DC221E5746}" type="datetimeFigureOut">
               <a:rPr lang="fr-FR" smtClean="0"/>
-              <a:t>06/02/2023</a:t>
+              <a:t>09/03/2023</a:t>
             </a:fld>
             <a:endParaRPr lang="fr-FR"/>
           </a:p>
@@ -2507,7 +2507,7 @@
           <a:p>
             <a:fld id="{9F9D7BD0-09ED-4241-9B50-84DC221E5746}" type="datetimeFigureOut">
               <a:rPr lang="fr-FR" smtClean="0"/>
-              <a:t>06/02/2023</a:t>
+              <a:t>09/03/2023</a:t>
             </a:fld>
             <a:endParaRPr lang="fr-FR"/>
           </a:p>
@@ -2818,7 +2818,7 @@
           <a:p>
             <a:fld id="{9F9D7BD0-09ED-4241-9B50-84DC221E5746}" type="datetimeFigureOut">
               <a:rPr lang="fr-FR" smtClean="0"/>
-              <a:t>06/02/2023</a:t>
+              <a:t>09/03/2023</a:t>
             </a:fld>
             <a:endParaRPr lang="fr-FR"/>
           </a:p>
@@ -3106,7 +3106,7 @@
           <a:p>
             <a:fld id="{9F9D7BD0-09ED-4241-9B50-84DC221E5746}" type="datetimeFigureOut">
               <a:rPr lang="fr-FR" smtClean="0"/>
-              <a:t>06/02/2023</a:t>
+              <a:t>09/03/2023</a:t>
             </a:fld>
             <a:endParaRPr lang="fr-FR"/>
           </a:p>
@@ -3347,7 +3347,7 @@
           <a:p>
             <a:fld id="{9F9D7BD0-09ED-4241-9B50-84DC221E5746}" type="datetimeFigureOut">
               <a:rPr lang="fr-FR" smtClean="0"/>
-              <a:t>06/02/2023</a:t>
+              <a:t>09/03/2023</a:t>
             </a:fld>
             <a:endParaRPr lang="fr-FR"/>
           </a:p>
